--- a/Courses/CS205M/Lecture_7.pptx
+++ b/Courses/CS205M/Lecture_7.pptx
@@ -170,6 +170,40 @@
 </p:presentation>
 </file>
 
+<file path=ppt/ink/ink1.xml><?xml version="1.0" encoding="utf-8"?>
+<inkml:ink xmlns:inkml="http://www.w3.org/2003/InkML">
+  <inkml:definitions>
+    <inkml:context xml:id="ctx0">
+      <inkml:inkSource xml:id="inkSrc0">
+        <inkml:traceFormat>
+          <inkml:channel name="X" type="integer" max="3840" units="cm"/>
+          <inkml:channel name="Y" type="integer" max="1080" units="cm"/>
+          <inkml:channel name="T" type="integer" max="2.14748E9" units="dev"/>
+        </inkml:traceFormat>
+        <inkml:channelProperties>
+          <inkml:channelProperty channel="X" name="resolution" value="111.62791" units="1/cm"/>
+          <inkml:channelProperty channel="Y" name="resolution" value="55.6701" units="1/cm"/>
+          <inkml:channelProperty channel="T" name="resolution" value="1" units="1/dev"/>
+        </inkml:channelProperties>
+      </inkml:inkSource>
+      <inkml:timestamp xml:id="ts0" timeString="2026-02-18T07:02:44.944"/>
+    </inkml:context>
+    <inkml:brush xml:id="br0">
+      <inkml:brushProperty name="width" value="0.05292" units="cm"/>
+      <inkml:brushProperty name="height" value="0.05292" units="cm"/>
+      <inkml:brushProperty name="color" value="#FF0000"/>
+    </inkml:brush>
+  </inkml:definitions>
+  <inkml:trace contextRef="#ctx0" brushRef="#br0">3123 8633 0,'-27'0'265,"-25"0"-249,0 0-16,-80 0 15,54 0 17,25 0-32,-26 26 0,1-26 15,-1 0 1,53 0 0,-1 0-1,1 26 32,0-26 0,0 0-31,0 26-1,-1-26-15,1 27 16,-26-27-1,25 0 1,27 26 15,0 0-15,0 0 15,0 1-15,0-1-1,0 0 1,0 0 0,0 1-1,0 25 1,27-52-16,-27 26 16,0 0-1,26 27 1,-26-27-1,0 27 1,52-1 0,-52-26-1,27 1 1,-1 25 0,0 1-1,-26-27 1,26 0 15,-26 0 0,26-26-15,-26 53 0,53-27-1,-27-26 1,27 0-1,-27 26 1,26-26 0,-25 0-1,25 0 1,27 0 15,0 0-31,-27 0 16,53 0-1,-26 27 17,-1-1-32,27 26 15,-26-26 1,0 27 15,78-27-15,-78 0-1,0-26 1,-53 0-16,26 27 31,-25-27-31,-1 0 32,0 0-17,0 0 1,1 0-1,-1 0 1,0-27 0,53 27-1,-53 0 17,27-26-32,-1 0 31,-26 0-16,1-1 1,-27 1-16,26 0 16,-26 0-1,26-27 1,-26 1 15,0 26-15,26-53-1,-26 26 1,0 27 0,0-26-1,0 25 1,0-25 0,0-1-1,-26 1 1,0-1-1,-27-25 1,-25-1 0,78 27-1,-79-1 1,79 1 0,-26 25-1,-27-25 1,53 26-1,-26-27 17,0 27-1,-27-27-15,53 27-1,-26 26 1,-27-26-1,27 0 1,0 26 0,0 0-1,-27 0 1,1 0 0,-1 26-1,1 0 1,26 27-1,-27-53 17,1 26-32,25 0 15,-25-26 1,26 0 0,-27 26 15,27 1-16,-27-27 1,53 26 0,-26-26-1,26 26 1,-26-26 0,26 26 15,-26-26-16,-1 0 17,1 0-17</inkml:trace>
+  <inkml:trace contextRef="#ctx0" brushRef="#br0" timeOffset="1980.845">2231 10679 0,'26'27'187,"0"25"-171,0 1-16,1-27 16,-1 52-1,79 1 1,-27-26-1,-51-1 1,25-26 0,-26 1-16,1-1 15,-1 0 1,0 0 15,0-26-15,27 53-1,-1-27 1,-52 0-16,27 1 16,25 25-1,-26-26 1,27 1 15,-53-1-15,26-26 62,-26-53-62,26 1-16,-26-53 15,26-79 16,-26 27-15,0-27 0,0 79-1,0-79 1,0 132-16,0-1 31,0 1-15,0 26-16,0-27 15,0 27 17,0-26-17,0 25 1,0 1 0</inkml:trace>
+  <inkml:trace contextRef="#ctx0" brushRef="#br0" timeOffset="3663.466">2493 11020 0,'26'0'282,"0"0"-267,1 0 1,51 0-1,27 0 1,-78 0-16,78 0 31,-53 0-31,1 0 16,-1 0 0,-26 0 15,0 0-16,1 0 17,-1 0 30,0 0-62,0 0 94</inkml:trace>
+  <inkml:trace contextRef="#ctx0" brushRef="#br0" timeOffset="6015.47">3228 11178 0,'26'0'359,"0"0"-327,0 0-1,1-26-15,-1-1-16,0 27 15,0-26 1,27 0-1,-1 0 1,-25-1 0,-1 27-1,0-26 1,-26 0 15,0 0-31,26 26 31,-26-27-15,27 27 31,-27-26-16,0 0-15,-27 26 15,27-26-15,-26 26 15,0 0-31,0 0 16,-1 26 15,27 0-31,-26 27 15,26-1 1,53 132 0,52-27-1,52 27 1,-105-27 0,53 27-1,0-53 1,-52-26-16,-53-78 31,0 51-15,0-25-1,0-27 17,0 0-1,-26 0-16,-1-26 17,1 0-17,0 0 1,0 0-16,-1 0 16,1 0-1,-26 0-15,-53-78 16,26-1-1,0 27 1,1-80 0,25 54-1,53 25 1,0-26 0,0 27-1,0 26 1,0-53-1,53 26 1,-53 27 0,78-26-1,-51 52 1,-1 0 0,0-26-1</inkml:trace>
+  <inkml:trace contextRef="#ctx0" brushRef="#br0" timeOffset="7875.243">4146 10391 0,'53'0'235,"-1"0"-235,-26 0 15,27 0 1,-1 26 0,1-26 15,-27 0-31,26 0 0,1 0 31,-1 26-15,1-26-16,-27 0 15,0 0 17,-26 53-17,0-27 17,0 0-1,0 0-16,-26 1 1,26-1 0,0 53-1,0-53-15,0 105 16,79-52 0,-27 26-1,-25-53 1,-1 27-1,-26-53 17,-26 0-1,-1-26 0,1 0-15,0 0-1,-53 0 1,53 0 15,0 0-31,-1 0 47,1-26-31,0 26-1,0-26 1,-1 0 15,27-1-31,-26 27 16,0 0 0,26-26-1,-26 0 1,-1 26-1,1 0 1</inkml:trace>
+  <inkml:trace contextRef="#ctx0" brushRef="#br0" timeOffset="9786.361">4356 10653 0,'26'0'453,"0"0"-422,1 0-31,-1 0 47,0 0-31,0 0 15,1 0 0,-1 26-31,0-26 0,0 0 16,27 27 15,-27-27-15,0 0-1,1 0-15,-1 0 16,-26 26 15,0 0 16</inkml:trace>
+  <inkml:trace contextRef="#ctx0" brushRef="#br0" timeOffset="12037.141">5169 10889 0,'53'0'281,"-27"0"-265,0 53-16,27-27 15,-1 26 1,-52 1 0,53 26-1,-53-53 1,0 53-1,0-53 1,0 0 0,0 0-1,-26-26 1,26 27 0,0-1-16,-27-26 31,27 26-16,-26-26 1,26 26-16,0 1 16,-26-27 15,0 0-31,26 26 31,-27-26-15,27-26 78,0-1-94,0 1 0,0-26 31,53-27-31,-1 0 31,-25-26-31,-1 26 31,-26 53-31,0-26 32,26 25-32,-26 1 31,26 26-16,1 0 1,-27-52 0,26 52 31,0 0-32,-52 26 126,26 0-126,-26 0-15,-1 27 16,-25-1 0,52 1-1,-53 26 17,53-53-17,0 26 1,0-25-1,0-1 1,0 0-16,27 0 31,-27 1-15,0-1 0,26 0-1,-26 0 1,26-26-1,0 27 1,1-27 0,25 0-1,27 0 1,52 0 15,0-27-31,53-25 16,-79 26 15,-79 26-15,26-27-1,-52 1 1,27 26 0</inkml:trace>
+</inkml:ink>
+</file>
+
 <file path=ppt/slideLayouts/slideLayout1.xml><?xml version="1.0" encoding="utf-8"?>
 <p:sldLayout xmlns:a="http://schemas.openxmlformats.org/drawingml/2006/main" xmlns:r="http://schemas.openxmlformats.org/officeDocument/2006/relationships" xmlns:p="http://schemas.openxmlformats.org/presentationml/2006/main" type="title" preserve="1">
   <p:cSld name="Title Slide">
@@ -349,7 +383,7 @@
           <a:p>
             <a:fld id="{5BCAD085-E8A6-8845-BD4E-CB4CCA059FC4}" type="datetimeFigureOut">
               <a:rPr lang="en-US" smtClean="0"/>
-              <a:t>8/20/2025</a:t>
+              <a:t>2/18/2026</a:t>
             </a:fld>
             <a:endParaRPr lang="en-US"/>
           </a:p>
@@ -517,7 +551,7 @@
           <a:p>
             <a:fld id="{5BCAD085-E8A6-8845-BD4E-CB4CCA059FC4}" type="datetimeFigureOut">
               <a:rPr lang="en-US" smtClean="0"/>
-              <a:t>8/20/2025</a:t>
+              <a:t>2/18/2026</a:t>
             </a:fld>
             <a:endParaRPr lang="en-US"/>
           </a:p>
@@ -695,7 +729,7 @@
           <a:p>
             <a:fld id="{5BCAD085-E8A6-8845-BD4E-CB4CCA059FC4}" type="datetimeFigureOut">
               <a:rPr lang="en-US" smtClean="0"/>
-              <a:t>8/20/2025</a:t>
+              <a:t>2/18/2026</a:t>
             </a:fld>
             <a:endParaRPr lang="en-US"/>
           </a:p>
@@ -907,7 +941,7 @@
           <a:p>
             <a:fld id="{5BCAD085-E8A6-8845-BD4E-CB4CCA059FC4}" type="datetimeFigureOut">
               <a:rPr lang="en-US" smtClean="0"/>
-              <a:t>8/20/2025</a:t>
+              <a:t>2/18/2026</a:t>
             </a:fld>
             <a:endParaRPr lang="en-US"/>
           </a:p>
@@ -1520,7 +1554,7 @@
           <a:p>
             <a:fld id="{5BCAD085-E8A6-8845-BD4E-CB4CCA059FC4}" type="datetimeFigureOut">
               <a:rPr lang="en-US" smtClean="0"/>
-              <a:t>8/20/2025</a:t>
+              <a:t>2/18/2026</a:t>
             </a:fld>
             <a:endParaRPr lang="en-US"/>
           </a:p>
@@ -1805,7 +1839,7 @@
           <a:p>
             <a:fld id="{5BCAD085-E8A6-8845-BD4E-CB4CCA059FC4}" type="datetimeFigureOut">
               <a:rPr lang="en-US" smtClean="0"/>
-              <a:t>8/20/2025</a:t>
+              <a:t>2/18/2026</a:t>
             </a:fld>
             <a:endParaRPr lang="en-US"/>
           </a:p>
@@ -2224,7 +2258,7 @@
           <a:p>
             <a:fld id="{5BCAD085-E8A6-8845-BD4E-CB4CCA059FC4}" type="datetimeFigureOut">
               <a:rPr lang="en-US" smtClean="0"/>
-              <a:t>8/20/2025</a:t>
+              <a:t>2/18/2026</a:t>
             </a:fld>
             <a:endParaRPr lang="en-US"/>
           </a:p>
@@ -2341,7 +2375,7 @@
           <a:p>
             <a:fld id="{5BCAD085-E8A6-8845-BD4E-CB4CCA059FC4}" type="datetimeFigureOut">
               <a:rPr lang="en-US" smtClean="0"/>
-              <a:t>8/20/2025</a:t>
+              <a:t>2/18/2026</a:t>
             </a:fld>
             <a:endParaRPr lang="en-US"/>
           </a:p>
@@ -2436,7 +2470,7 @@
           <a:p>
             <a:fld id="{5BCAD085-E8A6-8845-BD4E-CB4CCA059FC4}" type="datetimeFigureOut">
               <a:rPr lang="en-US" smtClean="0"/>
-              <a:t>8/20/2025</a:t>
+              <a:t>2/18/2026</a:t>
             </a:fld>
             <a:endParaRPr lang="en-US"/>
           </a:p>
@@ -2711,7 +2745,7 @@
           <a:p>
             <a:fld id="{5BCAD085-E8A6-8845-BD4E-CB4CCA059FC4}" type="datetimeFigureOut">
               <a:rPr lang="en-US" smtClean="0"/>
-              <a:t>8/20/2025</a:t>
+              <a:t>2/18/2026</a:t>
             </a:fld>
             <a:endParaRPr lang="en-US"/>
           </a:p>
@@ -2963,7 +2997,7 @@
           <a:p>
             <a:fld id="{5BCAD085-E8A6-8845-BD4E-CB4CCA059FC4}" type="datetimeFigureOut">
               <a:rPr lang="en-US" smtClean="0"/>
-              <a:t>8/20/2025</a:t>
+              <a:t>2/18/2026</a:t>
             </a:fld>
             <a:endParaRPr lang="en-US"/>
           </a:p>
@@ -3183,7 +3217,7 @@
           <a:p>
             <a:fld id="{5BCAD085-E8A6-8845-BD4E-CB4CCA059FC4}" type="datetimeFigureOut">
               <a:rPr lang="en-US" smtClean="0"/>
-              <a:t>8/20/2025</a:t>
+              <a:t>2/18/2026</a:t>
             </a:fld>
             <a:endParaRPr lang="en-US"/>
           </a:p>
@@ -8783,6 +8817,57 @@
           </p:sp>
         </mc:Fallback>
       </mc:AlternateContent>
+      <mc:AlternateContent xmlns:mc="http://schemas.openxmlformats.org/markup-compatibility/2006">
+        <mc:Choice xmlns:p14="http://schemas.microsoft.com/office/powerpoint/2010/main" Requires="p14">
+          <p:contentPart p14:bwMode="auto" r:id="rId3">
+            <p14:nvContentPartPr>
+              <p14:cNvPr id="4" name="Ink 3">
+                <a:extLst>
+                  <a:ext uri="{FF2B5EF4-FFF2-40B4-BE49-F238E27FC236}">
+                    <a16:creationId xmlns:a16="http://schemas.microsoft.com/office/drawing/2014/main" id="{E27C10B4-8A45-498A-B27F-708440A32A1E}"/>
+                  </a:ext>
+                </a:extLst>
+              </p14:cNvPr>
+              <p14:cNvContentPartPr/>
+              <p14:nvPr/>
+            </p14:nvContentPartPr>
+            <p14:xfrm>
+              <a:off x="793440" y="3032280"/>
+              <a:ext cx="1474200" cy="1407600"/>
+            </p14:xfrm>
+          </p:contentPart>
+        </mc:Choice>
+        <mc:Fallback>
+          <p:pic>
+            <p:nvPicPr>
+              <p:cNvPr id="4" name="Ink 3">
+                <a:extLst>
+                  <a:ext uri="{FF2B5EF4-FFF2-40B4-BE49-F238E27FC236}">
+                    <a16:creationId xmlns:a16="http://schemas.microsoft.com/office/drawing/2014/main" id="{E27C10B4-8A45-498A-B27F-708440A32A1E}"/>
+                  </a:ext>
+                </a:extLst>
+              </p:cNvPr>
+              <p:cNvPicPr/>
+              <p:nvPr/>
+            </p:nvPicPr>
+            <p:blipFill>
+              <a:blip r:embed="rId4"/>
+              <a:stretch>
+                <a:fillRect/>
+              </a:stretch>
+            </p:blipFill>
+            <p:spPr>
+              <a:xfrm>
+                <a:off x="784080" y="3022920"/>
+                <a:ext cx="1492920" cy="1426320"/>
+              </a:xfrm>
+              <a:prstGeom prst="rect">
+                <a:avLst/>
+              </a:prstGeom>
+            </p:spPr>
+          </p:pic>
+        </mc:Fallback>
+      </mc:AlternateContent>
     </p:spTree>
     <p:extLst>
       <p:ext uri="{BB962C8B-B14F-4D97-AF65-F5344CB8AC3E}">
@@ -9386,7 +9471,7 @@
           <a:graphicData uri="http://schemas.openxmlformats.org/presentationml/2006/ole">
             <mc:AlternateContent xmlns:mc="http://schemas.openxmlformats.org/markup-compatibility/2006">
               <mc:Choice xmlns:v="urn:schemas-microsoft-com:vml" Requires="v">
-                <p:oleObj spid="_x0000_s5136" name="Equation" r:id="rId3" imgW="2006600" imgH="990600" progId="Equation.3">
+                <p:oleObj spid="_x0000_s5137" name="Equation" r:id="rId3" imgW="2006600" imgH="990600" progId="Equation.3">
                   <p:embed/>
                 </p:oleObj>
               </mc:Choice>
